--- a/final_presentation.pptx
+++ b/final_presentation.pptx
@@ -13,23 +13,25 @@
     <p:sldId id="258" r:id="rId8"/>
     <p:sldId id="259" r:id="rId9"/>
     <p:sldId id="260" r:id="rId10"/>
+    <p:sldId id="261" r:id="rId11"/>
+    <p:sldId id="262" r:id="rId12"/>
   </p:sldIdLst>
   <p:sldSz cy="5143500" cx="9144000"/>
   <p:notesSz cx="6858000" cy="9144000"/>
   <p:embeddedFontLst>
     <p:embeddedFont>
       <p:font typeface="Montserrat"/>
-      <p:regular r:id="rId11"/>
-      <p:bold r:id="rId12"/>
-      <p:italic r:id="rId13"/>
-      <p:boldItalic r:id="rId14"/>
+      <p:regular r:id="rId13"/>
+      <p:bold r:id="rId14"/>
+      <p:italic r:id="rId15"/>
+      <p:boldItalic r:id="rId16"/>
     </p:embeddedFont>
     <p:embeddedFont>
       <p:font typeface="Lato"/>
-      <p:regular r:id="rId15"/>
-      <p:bold r:id="rId16"/>
-      <p:italic r:id="rId17"/>
-      <p:boldItalic r:id="rId18"/>
+      <p:regular r:id="rId17"/>
+      <p:bold r:id="rId18"/>
+      <p:italic r:id="rId19"/>
+      <p:boldItalic r:id="rId20"/>
     </p:embeddedFont>
   </p:embeddedFontLst>
   <p:defaultTextStyle>
@@ -907,7 +909,7 @@
   <p:cSld>
     <p:spTree>
       <p:nvGrpSpPr>
-        <p:cNvPr id="142" name="Shape 142"/>
+        <p:cNvPr id="143" name="Shape 143"/>
         <p:cNvGrpSpPr/>
         <p:nvPr/>
       </p:nvGrpSpPr>
@@ -921,7 +923,7 @@
       </p:grpSpPr>
       <p:sp>
         <p:nvSpPr>
-          <p:cNvPr id="143" name="Google Shape;143;g49a6b3b1da_0_141:notes"/>
+          <p:cNvPr id="144" name="Google Shape;144;g49a8235797_0_0:notes"/>
           <p:cNvSpPr/>
           <p:nvPr>
             <p:ph idx="2" type="sldImg"/>
@@ -956,7 +958,7 @@
       </p:sp>
       <p:sp>
         <p:nvSpPr>
-          <p:cNvPr id="144" name="Google Shape;144;g49a6b3b1da_0_141:notes"/>
+          <p:cNvPr id="145" name="Google Shape;145;g49a8235797_0_0:notes"/>
           <p:cNvSpPr txBox="1"/>
           <p:nvPr>
             <p:ph idx="1" type="body"/>
@@ -1006,7 +1008,7 @@
   <p:cSld>
     <p:spTree>
       <p:nvGrpSpPr>
-        <p:cNvPr id="148" name="Shape 148"/>
+        <p:cNvPr id="149" name="Shape 149"/>
         <p:cNvGrpSpPr/>
         <p:nvPr/>
       </p:nvGrpSpPr>
@@ -1020,7 +1022,7 @@
       </p:grpSpPr>
       <p:sp>
         <p:nvSpPr>
-          <p:cNvPr id="149" name="Google Shape;149;g49a6b3b1da_0_146:notes"/>
+          <p:cNvPr id="150" name="Google Shape;150;g49a6b3b1da_0_141:notes"/>
           <p:cNvSpPr/>
           <p:nvPr>
             <p:ph idx="2" type="sldImg"/>
@@ -1055,7 +1057,7 @@
       </p:sp>
       <p:sp>
         <p:nvSpPr>
-          <p:cNvPr id="150" name="Google Shape;150;g49a6b3b1da_0_146:notes"/>
+          <p:cNvPr id="151" name="Google Shape;151;g49a6b3b1da_0_141:notes"/>
           <p:cNvSpPr txBox="1"/>
           <p:nvPr>
             <p:ph idx="1" type="body"/>
@@ -1119,7 +1121,7 @@
       </p:grpSpPr>
       <p:sp>
         <p:nvSpPr>
-          <p:cNvPr id="155" name="Google Shape;155;g49a6b3b1da_0_0:notes"/>
+          <p:cNvPr id="155" name="Google Shape;155;g49a6b3b1da_0_146:notes"/>
           <p:cNvSpPr/>
           <p:nvPr>
             <p:ph idx="2" type="sldImg"/>
@@ -1154,7 +1156,205 @@
       </p:sp>
       <p:sp>
         <p:nvSpPr>
-          <p:cNvPr id="156" name="Google Shape;156;g49a6b3b1da_0_0:notes"/>
+          <p:cNvPr id="156" name="Google Shape;156;g49a6b3b1da_0_146:notes"/>
+          <p:cNvSpPr txBox="1"/>
+          <p:nvPr>
+            <p:ph idx="1" type="body"/>
+          </p:nvPr>
+        </p:nvSpPr>
+        <p:spPr>
+          <a:xfrm>
+            <a:off x="685800" y="4343400"/>
+            <a:ext cx="5486400" cy="4114800"/>
+          </a:xfrm>
+          <a:prstGeom prst="rect">
+            <a:avLst/>
+          </a:prstGeom>
+        </p:spPr>
+        <p:txBody>
+          <a:bodyPr anchorCtr="0" anchor="t" bIns="91425" lIns="91425" spcFirstLastPara="1" rIns="91425" wrap="square" tIns="91425">
+            <a:noAutofit/>
+          </a:bodyPr>
+          <a:lstStyle/>
+          <a:p>
+            <a:pPr indent="0" lvl="0" marL="0" rtl="0" algn="l">
+              <a:spcBef>
+                <a:spcPts val="0"/>
+              </a:spcBef>
+              <a:spcAft>
+                <a:spcPts val="0"/>
+              </a:spcAft>
+              <a:buNone/>
+            </a:pPr>
+            <a:r>
+              <a:t/>
+            </a:r>
+            <a:endParaRPr/>
+          </a:p>
+        </p:txBody>
+      </p:sp>
+    </p:spTree>
+  </p:cSld>
+  <p:clrMapOvr>
+    <a:masterClrMapping/>
+  </p:clrMapOvr>
+</p:notes>
+</file>
+
+<file path=ppt/notesSlides/notesSlide6.xml><?xml version="1.0" encoding="utf-8"?>
+<p:notes xmlns:a="http://schemas.openxmlformats.org/drawingml/2006/main" xmlns:r="http://schemas.openxmlformats.org/officeDocument/2006/relationships" xmlns:mc="http://schemas.openxmlformats.org/markup-compatibility/2006" xmlns:mv="urn:schemas-microsoft-com:mac:vml" xmlns:p="http://schemas.openxmlformats.org/presentationml/2006/main" xmlns:c="http://schemas.openxmlformats.org/drawingml/2006/chart" xmlns:dgm="http://schemas.openxmlformats.org/drawingml/2006/diagram" xmlns:o="urn:schemas-microsoft-com:office:office" xmlns:v="urn:schemas-microsoft-com:vml" xmlns:pvml="urn:schemas-microsoft-com:office:powerpoint" xmlns:com="http://schemas.openxmlformats.org/drawingml/2006/compatibility" xmlns:p14="http://schemas.microsoft.com/office/powerpoint/2010/main" xmlns:p15="http://schemas.microsoft.com/office/powerpoint/2012/main" showMasterPhAnim="0" showMasterSp="0">
+  <p:cSld>
+    <p:spTree>
+      <p:nvGrpSpPr>
+        <p:cNvPr id="164" name="Shape 164"/>
+        <p:cNvGrpSpPr/>
+        <p:nvPr/>
+      </p:nvGrpSpPr>
+      <p:grpSpPr>
+        <a:xfrm>
+          <a:off x="0" y="0"/>
+          <a:ext cx="0" cy="0"/>
+          <a:chOff x="0" y="0"/>
+          <a:chExt cx="0" cy="0"/>
+        </a:xfrm>
+      </p:grpSpPr>
+      <p:sp>
+        <p:nvSpPr>
+          <p:cNvPr id="165" name="Google Shape;165;g49a6b3b1da_0_0:notes"/>
+          <p:cNvSpPr/>
+          <p:nvPr>
+            <p:ph idx="2" type="sldImg"/>
+          </p:nvPr>
+        </p:nvSpPr>
+        <p:spPr>
+          <a:xfrm>
+            <a:off x="381300" y="685800"/>
+            <a:ext cx="6096000" cy="3429000"/>
+          </a:xfrm>
+          <a:custGeom>
+            <a:rect b="b" l="l" r="r" t="t"/>
+            <a:pathLst>
+              <a:path extrusionOk="0" h="120000" w="120000">
+                <a:moveTo>
+                  <a:pt x="0" y="0"/>
+                </a:moveTo>
+                <a:lnTo>
+                  <a:pt x="120000" y="0"/>
+                </a:lnTo>
+                <a:lnTo>
+                  <a:pt x="120000" y="120000"/>
+                </a:lnTo>
+                <a:lnTo>
+                  <a:pt x="0" y="120000"/>
+                </a:lnTo>
+                <a:close/>
+              </a:path>
+            </a:pathLst>
+          </a:custGeom>
+        </p:spPr>
+      </p:sp>
+      <p:sp>
+        <p:nvSpPr>
+          <p:cNvPr id="166" name="Google Shape;166;g49a6b3b1da_0_0:notes"/>
+          <p:cNvSpPr txBox="1"/>
+          <p:nvPr>
+            <p:ph idx="1" type="body"/>
+          </p:nvPr>
+        </p:nvSpPr>
+        <p:spPr>
+          <a:xfrm>
+            <a:off x="685800" y="4343400"/>
+            <a:ext cx="5486400" cy="4114800"/>
+          </a:xfrm>
+          <a:prstGeom prst="rect">
+            <a:avLst/>
+          </a:prstGeom>
+        </p:spPr>
+        <p:txBody>
+          <a:bodyPr anchorCtr="0" anchor="t" bIns="91425" lIns="91425" spcFirstLastPara="1" rIns="91425" wrap="square" tIns="91425">
+            <a:noAutofit/>
+          </a:bodyPr>
+          <a:lstStyle/>
+          <a:p>
+            <a:pPr indent="0" lvl="0" marL="0" rtl="0" algn="l">
+              <a:spcBef>
+                <a:spcPts val="0"/>
+              </a:spcBef>
+              <a:spcAft>
+                <a:spcPts val="0"/>
+              </a:spcAft>
+              <a:buNone/>
+            </a:pPr>
+            <a:r>
+              <a:t/>
+            </a:r>
+            <a:endParaRPr/>
+          </a:p>
+        </p:txBody>
+      </p:sp>
+    </p:spTree>
+  </p:cSld>
+  <p:clrMapOvr>
+    <a:masterClrMapping/>
+  </p:clrMapOvr>
+</p:notes>
+</file>
+
+<file path=ppt/notesSlides/notesSlide7.xml><?xml version="1.0" encoding="utf-8"?>
+<p:notes xmlns:a="http://schemas.openxmlformats.org/drawingml/2006/main" xmlns:r="http://schemas.openxmlformats.org/officeDocument/2006/relationships" xmlns:mc="http://schemas.openxmlformats.org/markup-compatibility/2006" xmlns:mv="urn:schemas-microsoft-com:mac:vml" xmlns:p="http://schemas.openxmlformats.org/presentationml/2006/main" xmlns:c="http://schemas.openxmlformats.org/drawingml/2006/chart" xmlns:dgm="http://schemas.openxmlformats.org/drawingml/2006/diagram" xmlns:o="urn:schemas-microsoft-com:office:office" xmlns:v="urn:schemas-microsoft-com:vml" xmlns:pvml="urn:schemas-microsoft-com:office:powerpoint" xmlns:com="http://schemas.openxmlformats.org/drawingml/2006/compatibility" xmlns:p14="http://schemas.microsoft.com/office/powerpoint/2010/main" xmlns:p15="http://schemas.microsoft.com/office/powerpoint/2012/main" showMasterPhAnim="0" showMasterSp="0">
+  <p:cSld>
+    <p:spTree>
+      <p:nvGrpSpPr>
+        <p:cNvPr id="170" name="Shape 170"/>
+        <p:cNvGrpSpPr/>
+        <p:nvPr/>
+      </p:nvGrpSpPr>
+      <p:grpSpPr>
+        <a:xfrm>
+          <a:off x="0" y="0"/>
+          <a:ext cx="0" cy="0"/>
+          <a:chOff x="0" y="0"/>
+          <a:chExt cx="0" cy="0"/>
+        </a:xfrm>
+      </p:grpSpPr>
+      <p:sp>
+        <p:nvSpPr>
+          <p:cNvPr id="171" name="Google Shape;171;g49a8235797_0_6:notes"/>
+          <p:cNvSpPr/>
+          <p:nvPr>
+            <p:ph idx="2" type="sldImg"/>
+          </p:nvPr>
+        </p:nvSpPr>
+        <p:spPr>
+          <a:xfrm>
+            <a:off x="381300" y="685800"/>
+            <a:ext cx="6096000" cy="3429000"/>
+          </a:xfrm>
+          <a:custGeom>
+            <a:rect b="b" l="l" r="r" t="t"/>
+            <a:pathLst>
+              <a:path extrusionOk="0" h="120000" w="120000">
+                <a:moveTo>
+                  <a:pt x="0" y="0"/>
+                </a:moveTo>
+                <a:lnTo>
+                  <a:pt x="120000" y="0"/>
+                </a:lnTo>
+                <a:lnTo>
+                  <a:pt x="120000" y="120000"/>
+                </a:lnTo>
+                <a:lnTo>
+                  <a:pt x="0" y="120000"/>
+                </a:lnTo>
+                <a:close/>
+              </a:path>
+            </a:pathLst>
+          </a:custGeom>
+        </p:spPr>
+      </p:sp>
+      <p:sp>
+        <p:nvSpPr>
+          <p:cNvPr id="172" name="Google Shape;172;g49a8235797_0_6:notes"/>
           <p:cNvSpPr txBox="1"/>
           <p:nvPr>
             <p:ph idx="1" type="body"/>
@@ -9369,8 +9569,8 @@
         </p:nvSpPr>
         <p:spPr>
           <a:xfrm>
-            <a:off x="3537150" y="1578400"/>
-            <a:ext cx="5017500" cy="1578900"/>
+            <a:off x="3993675" y="731850"/>
+            <a:ext cx="4381800" cy="2859600"/>
           </a:xfrm>
           <a:prstGeom prst="rect">
             <a:avLst/>
@@ -9392,10 +9592,42 @@
               <a:buNone/>
             </a:pPr>
             <a:r>
-              <a:rPr lang="en"/>
-              <a:t>Stevenson Tour Guide</a:t>
+              <a:rPr b="1" i="1" lang="en" sz="6000"/>
+              <a:t>Stevenson </a:t>
             </a:r>
-            <a:endParaRPr/>
+            <a:endParaRPr b="1" i="1" sz="6000"/>
+          </a:p>
+          <a:p>
+            <a:pPr indent="0" lvl="0" marL="0" rtl="0" algn="l">
+              <a:spcBef>
+                <a:spcPts val="0"/>
+              </a:spcBef>
+              <a:spcAft>
+                <a:spcPts val="0"/>
+              </a:spcAft>
+              <a:buNone/>
+            </a:pPr>
+            <a:r>
+              <a:rPr b="1" i="1" lang="en" sz="6000"/>
+              <a:t>Tour </a:t>
+            </a:r>
+            <a:endParaRPr b="1" i="1" sz="6000"/>
+          </a:p>
+          <a:p>
+            <a:pPr indent="0" lvl="0" marL="0" rtl="0" algn="l">
+              <a:spcBef>
+                <a:spcPts val="0"/>
+              </a:spcBef>
+              <a:spcAft>
+                <a:spcPts val="0"/>
+              </a:spcAft>
+              <a:buNone/>
+            </a:pPr>
+            <a:r>
+              <a:rPr b="1" i="1" lang="en" sz="6000"/>
+              <a:t>Guide</a:t>
+            </a:r>
+            <a:endParaRPr b="1" i="1" sz="6000"/>
           </a:p>
         </p:txBody>
       </p:sp>
@@ -9409,7 +9641,7 @@
         </p:nvSpPr>
         <p:spPr>
           <a:xfrm>
-            <a:off x="3814575" y="3924925"/>
+            <a:off x="3993675" y="3655600"/>
             <a:ext cx="4740000" cy="506100"/>
           </a:xfrm>
           <a:prstGeom prst="rect">
@@ -9474,8 +9706,8 @@
         </p:nvSpPr>
         <p:spPr>
           <a:xfrm>
-            <a:off x="1297500" y="393750"/>
-            <a:ext cx="7038900" cy="914100"/>
+            <a:off x="1688700" y="624625"/>
+            <a:ext cx="2294100" cy="786300"/>
           </a:xfrm>
           <a:prstGeom prst="rect">
             <a:avLst/>
@@ -9497,10 +9729,10 @@
               <a:buNone/>
             </a:pPr>
             <a:r>
-              <a:rPr lang="en" sz="3600"/>
+              <a:rPr b="1" i="1" lang="en" sz="3600"/>
               <a:t>Problem</a:t>
             </a:r>
-            <a:endParaRPr sz="3600"/>
+            <a:endParaRPr b="1" i="1" sz="3600"/>
           </a:p>
         </p:txBody>
       </p:sp>
@@ -9514,8 +9746,8 @@
         </p:nvSpPr>
         <p:spPr>
           <a:xfrm>
-            <a:off x="1297500" y="1567550"/>
-            <a:ext cx="7038900" cy="2911200"/>
+            <a:off x="694625" y="1772775"/>
+            <a:ext cx="3076500" cy="2665200"/>
           </a:xfrm>
           <a:prstGeom prst="rect">
             <a:avLst/>
@@ -9527,7 +9759,7 @@
           </a:bodyPr>
           <a:lstStyle/>
           <a:p>
-            <a:pPr indent="0" lvl="0" marL="0" rtl="0" algn="l">
+            <a:pPr indent="0" lvl="0" marL="0" rtl="0" algn="ctr">
               <a:spcBef>
                 <a:spcPts val="0"/>
               </a:spcBef>
@@ -9537,15 +9769,122 @@
               <a:buNone/>
             </a:pPr>
             <a:r>
-              <a:rPr lang="en" sz="1800"/>
-              <a:t>Stevenson building is notorious for being difficult to navigate</a:t>
+              <a:rPr lang="en" sz="2400"/>
+              <a:t>Stevenson Center is notorious for being difficult to navigate especially among first years during the first few days of class.</a:t>
+            </a:r>
+            <a:endParaRPr sz="2400"/>
+          </a:p>
+          <a:p>
+            <a:pPr indent="0" lvl="0" marL="457200" rtl="0" algn="l">
+              <a:spcBef>
+                <a:spcPts val="1600"/>
+              </a:spcBef>
+              <a:spcAft>
+                <a:spcPts val="0"/>
+              </a:spcAft>
+              <a:buNone/>
+            </a:pPr>
+            <a:r>
+              <a:t/>
+            </a:r>
+            <a:endParaRPr baseline="-25000" sz="1800"/>
+          </a:p>
+          <a:p>
+            <a:pPr indent="0" lvl="0" marL="0" rtl="0" algn="l">
+              <a:spcBef>
+                <a:spcPts val="1600"/>
+              </a:spcBef>
+              <a:spcAft>
+                <a:spcPts val="1600"/>
+              </a:spcAft>
+              <a:buNone/>
+            </a:pPr>
+            <a:r>
+              <a:t/>
             </a:r>
             <a:endParaRPr sz="1800"/>
           </a:p>
+        </p:txBody>
+      </p:sp>
+      <p:pic>
+        <p:nvPicPr>
+          <p:cNvPr id="142" name="Google Shape;142;p14"/>
+          <p:cNvPicPr preferRelativeResize="0"/>
+          <p:nvPr/>
+        </p:nvPicPr>
+        <p:blipFill>
+          <a:blip r:embed="rId3">
+            <a:alphaModFix/>
+          </a:blip>
+          <a:stretch>
+            <a:fillRect/>
+          </a:stretch>
+        </p:blipFill>
+        <p:spPr>
+          <a:xfrm>
+            <a:off x="4760052" y="0"/>
+            <a:ext cx="4383947" cy="5143500"/>
+          </a:xfrm>
+          <a:prstGeom prst="rect">
+            <a:avLst/>
+          </a:prstGeom>
+          <a:noFill/>
+          <a:ln>
+            <a:noFill/>
+          </a:ln>
+        </p:spPr>
+      </p:pic>
+    </p:spTree>
+  </p:cSld>
+  <p:clrMapOvr>
+    <a:masterClrMapping/>
+  </p:clrMapOvr>
+</p:sld>
+</file>
+
+<file path=ppt/slides/slide3.xml><?xml version="1.0" encoding="utf-8"?>
+<p:sld xmlns:a="http://schemas.openxmlformats.org/drawingml/2006/main" xmlns:r="http://schemas.openxmlformats.org/officeDocument/2006/relationships" xmlns:mc="http://schemas.openxmlformats.org/markup-compatibility/2006" xmlns:mv="urn:schemas-microsoft-com:mac:vml" xmlns:p="http://schemas.openxmlformats.org/presentationml/2006/main" xmlns:c="http://schemas.openxmlformats.org/drawingml/2006/chart" xmlns:dgm="http://schemas.openxmlformats.org/drawingml/2006/diagram" xmlns:o="urn:schemas-microsoft-com:office:office" xmlns:v="urn:schemas-microsoft-com:vml" xmlns:pvml="urn:schemas-microsoft-com:office:powerpoint" xmlns:com="http://schemas.openxmlformats.org/drawingml/2006/compatibility" xmlns:p14="http://schemas.microsoft.com/office/powerpoint/2010/main" xmlns:p15="http://schemas.microsoft.com/office/powerpoint/2012/main">
+  <p:cSld>
+    <p:spTree>
+      <p:nvGrpSpPr>
+        <p:cNvPr id="146" name="Shape 146"/>
+        <p:cNvGrpSpPr/>
+        <p:nvPr/>
+      </p:nvGrpSpPr>
+      <p:grpSpPr>
+        <a:xfrm>
+          <a:off x="0" y="0"/>
+          <a:ext cx="0" cy="0"/>
+          <a:chOff x="0" y="0"/>
+          <a:chExt cx="0" cy="0"/>
+        </a:xfrm>
+      </p:grpSpPr>
+      <p:sp>
+        <p:nvSpPr>
+          <p:cNvPr id="147" name="Google Shape;147;p15"/>
+          <p:cNvSpPr txBox="1"/>
+          <p:nvPr>
+            <p:ph type="title"/>
+          </p:nvPr>
+        </p:nvSpPr>
+        <p:spPr>
+          <a:xfrm>
+            <a:off x="0" y="534850"/>
+            <a:ext cx="9144000" cy="786300"/>
+          </a:xfrm>
+          <a:prstGeom prst="rect">
+            <a:avLst/>
+          </a:prstGeom>
+        </p:spPr>
+        <p:txBody>
+          <a:bodyPr anchorCtr="0" anchor="t" bIns="91425" lIns="91425" spcFirstLastPara="1" rIns="91425" wrap="square" tIns="91425">
+            <a:noAutofit/>
+          </a:bodyPr>
+          <a:lstStyle/>
           <a:p>
-            <a:pPr indent="0" lvl="0" marL="0" rtl="0" algn="l">
-              <a:spcBef>
-                <a:spcPts val="1600"/>
+            <a:pPr indent="0" lvl="0" marL="0" rtl="0" algn="ctr">
+              <a:spcBef>
+                <a:spcPts val="0"/>
               </a:spcBef>
               <a:spcAft>
                 <a:spcPts val="0"/>
@@ -9553,10 +9892,70 @@
               <a:buNone/>
             </a:pPr>
             <a:r>
-              <a:rPr lang="en" sz="1800"/>
-              <a:t>The Stevenson Tour Guide aims to present the shortest path between two rooms in Stevenson</a:t>
+              <a:rPr b="1" i="1" lang="en" sz="3600"/>
+              <a:t>Solution</a:t>
             </a:r>
-            <a:endParaRPr baseline="-25000" sz="1800"/>
+            <a:endParaRPr b="1" i="1" sz="3600"/>
+          </a:p>
+        </p:txBody>
+      </p:sp>
+      <p:sp>
+        <p:nvSpPr>
+          <p:cNvPr id="148" name="Google Shape;148;p15"/>
+          <p:cNvSpPr txBox="1"/>
+          <p:nvPr>
+            <p:ph idx="1" type="body"/>
+          </p:nvPr>
+        </p:nvSpPr>
+        <p:spPr>
+          <a:xfrm>
+            <a:off x="1310325" y="1667475"/>
+            <a:ext cx="7038900" cy="2501100"/>
+          </a:xfrm>
+          <a:prstGeom prst="rect">
+            <a:avLst/>
+          </a:prstGeom>
+        </p:spPr>
+        <p:txBody>
+          <a:bodyPr anchorCtr="0" anchor="t" bIns="91425" lIns="91425" spcFirstLastPara="1" rIns="91425" wrap="square" tIns="91425">
+            <a:noAutofit/>
+          </a:bodyPr>
+          <a:lstStyle/>
+          <a:p>
+            <a:pPr indent="0" lvl="0" marL="0" rtl="0" algn="ctr">
+              <a:spcBef>
+                <a:spcPts val="0"/>
+              </a:spcBef>
+              <a:spcAft>
+                <a:spcPts val="0"/>
+              </a:spcAft>
+              <a:buNone/>
+            </a:pPr>
+            <a:r>
+              <a:rPr b="1" lang="en" sz="3000"/>
+              <a:t>Stevenson Tour Guide</a:t>
+            </a:r>
+            <a:r>
+              <a:rPr lang="en" sz="3000"/>
+              <a:t>: </a:t>
+            </a:r>
+            <a:endParaRPr sz="3000"/>
+          </a:p>
+          <a:p>
+            <a:pPr indent="0" lvl="0" marL="0" rtl="0" algn="ctr">
+              <a:spcBef>
+                <a:spcPts val="1600"/>
+              </a:spcBef>
+              <a:spcAft>
+                <a:spcPts val="0"/>
+              </a:spcAft>
+              <a:buNone/>
+            </a:pPr>
+            <a:r>
+              <a:rPr lang="en" sz="3000"/>
+              <a:t>build a phone app that presents the shortest path between two rooms in Stevenson Center</a:t>
+            </a:r>
+            <a:endParaRPr baseline="-25000" sz="3000"/>
           </a:p>
           <a:p>
             <a:pPr indent="0" lvl="0" marL="0" rtl="0" algn="l">
@@ -9583,12 +9982,12 @@
 </p:sld>
 </file>
 
-<file path=ppt/slides/slide3.xml><?xml version="1.0" encoding="utf-8"?>
+<file path=ppt/slides/slide4.xml><?xml version="1.0" encoding="utf-8"?>
 <p:sld xmlns:a="http://schemas.openxmlformats.org/drawingml/2006/main" xmlns:r="http://schemas.openxmlformats.org/officeDocument/2006/relationships" xmlns:mc="http://schemas.openxmlformats.org/markup-compatibility/2006" xmlns:mv="urn:schemas-microsoft-com:mac:vml" xmlns:p="http://schemas.openxmlformats.org/presentationml/2006/main" xmlns:c="http://schemas.openxmlformats.org/drawingml/2006/chart" xmlns:dgm="http://schemas.openxmlformats.org/drawingml/2006/diagram" xmlns:o="urn:schemas-microsoft-com:office:office" xmlns:v="urn:schemas-microsoft-com:vml" xmlns:pvml="urn:schemas-microsoft-com:office:powerpoint" xmlns:com="http://schemas.openxmlformats.org/drawingml/2006/compatibility" xmlns:p14="http://schemas.microsoft.com/office/powerpoint/2010/main" xmlns:p15="http://schemas.microsoft.com/office/powerpoint/2012/main">
   <p:cSld>
     <p:spTree>
       <p:nvGrpSpPr>
-        <p:cNvPr id="145" name="Shape 145"/>
+        <p:cNvPr id="152" name="Shape 152"/>
         <p:cNvGrpSpPr/>
         <p:nvPr/>
       </p:nvGrpSpPr>
@@ -9602,7 +10001,7 @@
       </p:grpSpPr>
       <p:sp>
         <p:nvSpPr>
-          <p:cNvPr id="146" name="Google Shape;146;p15"/>
+          <p:cNvPr id="153" name="Google Shape;153;p16"/>
           <p:cNvSpPr txBox="1"/>
           <p:nvPr>
             <p:ph type="title"/>
@@ -9610,8 +10009,8 @@
         </p:nvSpPr>
         <p:spPr>
           <a:xfrm>
-            <a:off x="1297500" y="393750"/>
-            <a:ext cx="7038900" cy="914100"/>
+            <a:off x="2507850" y="1671900"/>
+            <a:ext cx="4128300" cy="1799700"/>
           </a:xfrm>
           <a:prstGeom prst="rect">
             <a:avLst/>
@@ -9633,202 +10032,10 @@
               <a:buNone/>
             </a:pPr>
             <a:r>
-              <a:rPr lang="en" sz="3600"/>
+              <a:rPr b="1" i="1" lang="en" sz="9600"/>
               <a:t>Demo</a:t>
             </a:r>
-            <a:endParaRPr sz="3600"/>
-          </a:p>
-        </p:txBody>
-      </p:sp>
-      <p:sp>
-        <p:nvSpPr>
-          <p:cNvPr id="147" name="Google Shape;147;p15"/>
-          <p:cNvSpPr txBox="1"/>
-          <p:nvPr>
-            <p:ph idx="1" type="body"/>
-          </p:nvPr>
-        </p:nvSpPr>
-        <p:spPr>
-          <a:xfrm>
-            <a:off x="1297500" y="1567550"/>
-            <a:ext cx="7038900" cy="2911200"/>
-          </a:xfrm>
-          <a:prstGeom prst="rect">
-            <a:avLst/>
-          </a:prstGeom>
-        </p:spPr>
-        <p:txBody>
-          <a:bodyPr anchorCtr="0" anchor="t" bIns="91425" lIns="91425" spcFirstLastPara="1" rIns="91425" wrap="square" tIns="91425">
-            <a:noAutofit/>
-          </a:bodyPr>
-          <a:lstStyle/>
-          <a:p>
-            <a:pPr indent="0" lvl="0" marL="0" rtl="0" algn="l">
-              <a:spcBef>
-                <a:spcPts val="0"/>
-              </a:spcBef>
-              <a:spcAft>
-                <a:spcPts val="1600"/>
-              </a:spcAft>
-              <a:buNone/>
-            </a:pPr>
-            <a:r>
-              <a:t/>
-            </a:r>
-            <a:endParaRPr/>
-          </a:p>
-        </p:txBody>
-      </p:sp>
-    </p:spTree>
-  </p:cSld>
-  <p:clrMapOvr>
-    <a:masterClrMapping/>
-  </p:clrMapOvr>
-</p:sld>
-</file>
-
-<file path=ppt/slides/slide4.xml><?xml version="1.0" encoding="utf-8"?>
-<p:sld xmlns:a="http://schemas.openxmlformats.org/drawingml/2006/main" xmlns:r="http://schemas.openxmlformats.org/officeDocument/2006/relationships" xmlns:mc="http://schemas.openxmlformats.org/markup-compatibility/2006" xmlns:mv="urn:schemas-microsoft-com:mac:vml" xmlns:p="http://schemas.openxmlformats.org/presentationml/2006/main" xmlns:c="http://schemas.openxmlformats.org/drawingml/2006/chart" xmlns:dgm="http://schemas.openxmlformats.org/drawingml/2006/diagram" xmlns:o="urn:schemas-microsoft-com:office:office" xmlns:v="urn:schemas-microsoft-com:vml" xmlns:pvml="urn:schemas-microsoft-com:office:powerpoint" xmlns:com="http://schemas.openxmlformats.org/drawingml/2006/compatibility" xmlns:p14="http://schemas.microsoft.com/office/powerpoint/2010/main" xmlns:p15="http://schemas.microsoft.com/office/powerpoint/2012/main">
-  <p:cSld>
-    <p:spTree>
-      <p:nvGrpSpPr>
-        <p:cNvPr id="151" name="Shape 151"/>
-        <p:cNvGrpSpPr/>
-        <p:nvPr/>
-      </p:nvGrpSpPr>
-      <p:grpSpPr>
-        <a:xfrm>
-          <a:off x="0" y="0"/>
-          <a:ext cx="0" cy="0"/>
-          <a:chOff x="0" y="0"/>
-          <a:chExt cx="0" cy="0"/>
-        </a:xfrm>
-      </p:grpSpPr>
-      <p:sp>
-        <p:nvSpPr>
-          <p:cNvPr id="152" name="Google Shape;152;p16"/>
-          <p:cNvSpPr txBox="1"/>
-          <p:nvPr>
-            <p:ph type="title"/>
-          </p:nvPr>
-        </p:nvSpPr>
-        <p:spPr>
-          <a:xfrm>
-            <a:off x="1297500" y="393750"/>
-            <a:ext cx="7038900" cy="914100"/>
-          </a:xfrm>
-          <a:prstGeom prst="rect">
-            <a:avLst/>
-          </a:prstGeom>
-        </p:spPr>
-        <p:txBody>
-          <a:bodyPr anchorCtr="0" anchor="t" bIns="91425" lIns="91425" spcFirstLastPara="1" rIns="91425" wrap="square" tIns="91425">
-            <a:noAutofit/>
-          </a:bodyPr>
-          <a:lstStyle/>
-          <a:p>
-            <a:pPr indent="0" lvl="0" marL="0" rtl="0" algn="l">
-              <a:spcBef>
-                <a:spcPts val="0"/>
-              </a:spcBef>
-              <a:spcAft>
-                <a:spcPts val="0"/>
-              </a:spcAft>
-              <a:buNone/>
-            </a:pPr>
-            <a:r>
-              <a:rPr lang="en" sz="3600"/>
-              <a:t>Tech Stack </a:t>
-            </a:r>
-            <a:endParaRPr sz="3600"/>
-          </a:p>
-        </p:txBody>
-      </p:sp>
-      <p:sp>
-        <p:nvSpPr>
-          <p:cNvPr id="153" name="Google Shape;153;p16"/>
-          <p:cNvSpPr txBox="1"/>
-          <p:nvPr>
-            <p:ph idx="1" type="body"/>
-          </p:nvPr>
-        </p:nvSpPr>
-        <p:spPr>
-          <a:xfrm>
-            <a:off x="1297500" y="1567550"/>
-            <a:ext cx="7038900" cy="2911200"/>
-          </a:xfrm>
-          <a:prstGeom prst="rect">
-            <a:avLst/>
-          </a:prstGeom>
-        </p:spPr>
-        <p:txBody>
-          <a:bodyPr anchorCtr="0" anchor="t" bIns="91425" lIns="91425" spcFirstLastPara="1" rIns="91425" wrap="square" tIns="91425">
-            <a:noAutofit/>
-          </a:bodyPr>
-          <a:lstStyle/>
-          <a:p>
-            <a:pPr indent="0" lvl="0" marL="0" rtl="0" algn="l">
-              <a:spcBef>
-                <a:spcPts val="0"/>
-              </a:spcBef>
-              <a:spcAft>
-                <a:spcPts val="0"/>
-              </a:spcAft>
-              <a:buNone/>
-            </a:pPr>
-            <a:r>
-              <a:rPr lang="en" sz="1800"/>
-              <a:t>Python backend runs Dijsktra’s shortest path on a graph representation of Stevenson (right now just the math building)</a:t>
-            </a:r>
-            <a:endParaRPr sz="1800"/>
-          </a:p>
-          <a:p>
-            <a:pPr indent="0" lvl="0" marL="0" rtl="0" algn="l">
-              <a:spcBef>
-                <a:spcPts val="1600"/>
-              </a:spcBef>
-              <a:spcAft>
-                <a:spcPts val="0"/>
-              </a:spcAft>
-              <a:buNone/>
-            </a:pPr>
-            <a:r>
-              <a:rPr lang="en" sz="1800"/>
-              <a:t>Django server obtains string input for rooms and produces a json object for the path</a:t>
-            </a:r>
-            <a:endParaRPr sz="1800"/>
-          </a:p>
-          <a:p>
-            <a:pPr indent="0" lvl="0" marL="0" rtl="0" algn="l">
-              <a:spcBef>
-                <a:spcPts val="1600"/>
-              </a:spcBef>
-              <a:spcAft>
-                <a:spcPts val="0"/>
-              </a:spcAft>
-              <a:buNone/>
-            </a:pPr>
-            <a:r>
-              <a:rPr lang="en" sz="1800"/>
-              <a:t>Android frontend takes user input, makes a get request to the Django server, and obtains the shortest path</a:t>
-            </a:r>
-            <a:endParaRPr sz="1800"/>
-          </a:p>
-          <a:p>
-            <a:pPr indent="0" lvl="0" marL="0" rtl="0" algn="l">
-              <a:spcBef>
-                <a:spcPts val="1600"/>
-              </a:spcBef>
-              <a:spcAft>
-                <a:spcPts val="1600"/>
-              </a:spcAft>
-              <a:buNone/>
-            </a:pPr>
-            <a:r>
-              <a:rPr lang="en" sz="1800"/>
-              <a:t>Django server hosted in AWS EC2 instance</a:t>
-            </a:r>
-            <a:endParaRPr sz="1800"/>
+            <a:endParaRPr b="1" i="1" sz="9600"/>
           </a:p>
         </p:txBody>
       </p:sp>
@@ -9867,8 +10074,8 @@
         </p:nvSpPr>
         <p:spPr>
           <a:xfrm>
-            <a:off x="1425550" y="393750"/>
-            <a:ext cx="7038900" cy="914100"/>
+            <a:off x="2272325" y="516075"/>
+            <a:ext cx="2922600" cy="914100"/>
           </a:xfrm>
           <a:prstGeom prst="rect">
             <a:avLst/>
@@ -9890,10 +10097,10 @@
               <a:buNone/>
             </a:pPr>
             <a:r>
-              <a:rPr lang="en" sz="3600"/>
-              <a:t>Testing</a:t>
+              <a:rPr b="1" lang="en" sz="3600"/>
+              <a:t>Tech Stack </a:t>
             </a:r>
-            <a:endParaRPr sz="3600"/>
+            <a:endParaRPr b="1" sz="3600"/>
           </a:p>
         </p:txBody>
       </p:sp>
@@ -9907,8 +10114,432 @@
         </p:nvSpPr>
         <p:spPr>
           <a:xfrm>
-            <a:off x="1297500" y="1567550"/>
-            <a:ext cx="7038900" cy="2911200"/>
+            <a:off x="0" y="1529075"/>
+            <a:ext cx="7038900" cy="3614400"/>
+          </a:xfrm>
+          <a:prstGeom prst="rect">
+            <a:avLst/>
+          </a:prstGeom>
+        </p:spPr>
+        <p:txBody>
+          <a:bodyPr anchorCtr="0" anchor="t" bIns="91425" lIns="91425" spcFirstLastPara="1" rIns="91425" wrap="square" tIns="91425">
+            <a:noAutofit/>
+          </a:bodyPr>
+          <a:lstStyle/>
+          <a:p>
+            <a:pPr indent="-368300" lvl="0" marL="457200" rtl="0" algn="l">
+              <a:spcBef>
+                <a:spcPts val="0"/>
+              </a:spcBef>
+              <a:spcAft>
+                <a:spcPts val="0"/>
+              </a:spcAft>
+              <a:buSzPts val="2200"/>
+              <a:buChar char="●"/>
+            </a:pPr>
+            <a:r>
+              <a:rPr lang="en" sz="2200">
+                <a:solidFill>
+                  <a:srgbClr val="FFFF00"/>
+                </a:solidFill>
+              </a:rPr>
+              <a:t>Python backend</a:t>
+            </a:r>
+            <a:r>
+              <a:rPr lang="en" sz="2200"/>
+              <a:t> runs Dijsktra’s shortest path on a graph representation of Stevenson (right now just the math building)</a:t>
+            </a:r>
+            <a:endParaRPr sz="2200"/>
+          </a:p>
+          <a:p>
+            <a:pPr indent="-368300" lvl="0" marL="457200" rtl="0" algn="l">
+              <a:spcBef>
+                <a:spcPts val="0"/>
+              </a:spcBef>
+              <a:spcAft>
+                <a:spcPts val="0"/>
+              </a:spcAft>
+              <a:buSzPts val="2200"/>
+              <a:buChar char="●"/>
+            </a:pPr>
+            <a:r>
+              <a:rPr lang="en" sz="2200">
+                <a:solidFill>
+                  <a:srgbClr val="FFFF00"/>
+                </a:solidFill>
+              </a:rPr>
+              <a:t>Django server</a:t>
+            </a:r>
+            <a:r>
+              <a:rPr lang="en" sz="2200"/>
+              <a:t> obtains string input for rooms and produces a json object for the path</a:t>
+            </a:r>
+            <a:endParaRPr sz="2200"/>
+          </a:p>
+          <a:p>
+            <a:pPr indent="-368300" lvl="0" marL="457200" rtl="0" algn="l">
+              <a:spcBef>
+                <a:spcPts val="0"/>
+              </a:spcBef>
+              <a:spcAft>
+                <a:spcPts val="0"/>
+              </a:spcAft>
+              <a:buSzPts val="2200"/>
+              <a:buChar char="●"/>
+            </a:pPr>
+            <a:r>
+              <a:rPr lang="en" sz="2200">
+                <a:solidFill>
+                  <a:srgbClr val="FFFF00"/>
+                </a:solidFill>
+              </a:rPr>
+              <a:t>Android frontend</a:t>
+            </a:r>
+            <a:r>
+              <a:rPr lang="en" sz="2200"/>
+              <a:t> takes user input, makes a get request to the Django server, and obtains the shortest path</a:t>
+            </a:r>
+            <a:endParaRPr sz="2200"/>
+          </a:p>
+          <a:p>
+            <a:pPr indent="-368300" lvl="0" marL="457200" rtl="0" algn="l">
+              <a:spcBef>
+                <a:spcPts val="0"/>
+              </a:spcBef>
+              <a:spcAft>
+                <a:spcPts val="0"/>
+              </a:spcAft>
+              <a:buSzPts val="2200"/>
+              <a:buChar char="●"/>
+            </a:pPr>
+            <a:r>
+              <a:rPr lang="en" sz="2200"/>
+              <a:t>Django server hosted in </a:t>
+            </a:r>
+            <a:r>
+              <a:rPr lang="en" sz="2200">
+                <a:solidFill>
+                  <a:srgbClr val="FFFF00"/>
+                </a:solidFill>
+              </a:rPr>
+              <a:t>AWS EC2 instance</a:t>
+            </a:r>
+            <a:endParaRPr sz="2200">
+              <a:solidFill>
+                <a:srgbClr val="FFFF00"/>
+              </a:solidFill>
+            </a:endParaRPr>
+          </a:p>
+        </p:txBody>
+      </p:sp>
+      <p:pic>
+        <p:nvPicPr>
+          <p:cNvPr id="160" name="Google Shape;160;p17"/>
+          <p:cNvPicPr preferRelativeResize="0"/>
+          <p:nvPr/>
+        </p:nvPicPr>
+        <p:blipFill>
+          <a:blip r:embed="rId3">
+            <a:alphaModFix/>
+          </a:blip>
+          <a:stretch>
+            <a:fillRect/>
+          </a:stretch>
+        </p:blipFill>
+        <p:spPr>
+          <a:xfrm>
+            <a:off x="7139975" y="66075"/>
+            <a:ext cx="1364100" cy="1364100"/>
+          </a:xfrm>
+          <a:prstGeom prst="rect">
+            <a:avLst/>
+          </a:prstGeom>
+          <a:noFill/>
+          <a:ln>
+            <a:noFill/>
+          </a:ln>
+        </p:spPr>
+      </p:pic>
+      <p:pic>
+        <p:nvPicPr>
+          <p:cNvPr id="161" name="Google Shape;161;p17"/>
+          <p:cNvPicPr preferRelativeResize="0"/>
+          <p:nvPr/>
+        </p:nvPicPr>
+        <p:blipFill>
+          <a:blip r:embed="rId4">
+            <a:alphaModFix/>
+          </a:blip>
+          <a:stretch>
+            <a:fillRect/>
+          </a:stretch>
+        </p:blipFill>
+        <p:spPr>
+          <a:xfrm>
+            <a:off x="6724588" y="1590050"/>
+            <a:ext cx="2194875" cy="764550"/>
+          </a:xfrm>
+          <a:prstGeom prst="rect">
+            <a:avLst/>
+          </a:prstGeom>
+          <a:noFill/>
+          <a:ln>
+            <a:noFill/>
+          </a:ln>
+        </p:spPr>
+      </p:pic>
+      <p:pic>
+        <p:nvPicPr>
+          <p:cNvPr id="162" name="Google Shape;162;p17"/>
+          <p:cNvPicPr preferRelativeResize="0"/>
+          <p:nvPr/>
+        </p:nvPicPr>
+        <p:blipFill>
+          <a:blip r:embed="rId5">
+            <a:alphaModFix/>
+          </a:blip>
+          <a:stretch>
+            <a:fillRect/>
+          </a:stretch>
+        </p:blipFill>
+        <p:spPr>
+          <a:xfrm>
+            <a:off x="7139983" y="2514471"/>
+            <a:ext cx="1364100" cy="1364100"/>
+          </a:xfrm>
+          <a:prstGeom prst="rect">
+            <a:avLst/>
+          </a:prstGeom>
+          <a:noFill/>
+          <a:ln>
+            <a:noFill/>
+          </a:ln>
+        </p:spPr>
+      </p:pic>
+      <p:pic>
+        <p:nvPicPr>
+          <p:cNvPr id="163" name="Google Shape;163;p17"/>
+          <p:cNvPicPr preferRelativeResize="0"/>
+          <p:nvPr/>
+        </p:nvPicPr>
+        <p:blipFill>
+          <a:blip r:embed="rId6">
+            <a:alphaModFix/>
+          </a:blip>
+          <a:stretch>
+            <a:fillRect/>
+          </a:stretch>
+        </p:blipFill>
+        <p:spPr>
+          <a:xfrm>
+            <a:off x="6769625" y="4038450"/>
+            <a:ext cx="2104788" cy="1105025"/>
+          </a:xfrm>
+          <a:prstGeom prst="rect">
+            <a:avLst/>
+          </a:prstGeom>
+          <a:noFill/>
+          <a:ln>
+            <a:noFill/>
+          </a:ln>
+        </p:spPr>
+      </p:pic>
+    </p:spTree>
+  </p:cSld>
+  <p:clrMapOvr>
+    <a:masterClrMapping/>
+  </p:clrMapOvr>
+</p:sld>
+</file>
+
+<file path=ppt/slides/slide6.xml><?xml version="1.0" encoding="utf-8"?>
+<p:sld xmlns:a="http://schemas.openxmlformats.org/drawingml/2006/main" xmlns:r="http://schemas.openxmlformats.org/officeDocument/2006/relationships" xmlns:mc="http://schemas.openxmlformats.org/markup-compatibility/2006" xmlns:mv="urn:schemas-microsoft-com:mac:vml" xmlns:p="http://schemas.openxmlformats.org/presentationml/2006/main" xmlns:c="http://schemas.openxmlformats.org/drawingml/2006/chart" xmlns:dgm="http://schemas.openxmlformats.org/drawingml/2006/diagram" xmlns:o="urn:schemas-microsoft-com:office:office" xmlns:v="urn:schemas-microsoft-com:vml" xmlns:pvml="urn:schemas-microsoft-com:office:powerpoint" xmlns:com="http://schemas.openxmlformats.org/drawingml/2006/compatibility" xmlns:p14="http://schemas.microsoft.com/office/powerpoint/2010/main" xmlns:p15="http://schemas.microsoft.com/office/powerpoint/2012/main">
+  <p:cSld>
+    <p:spTree>
+      <p:nvGrpSpPr>
+        <p:cNvPr id="167" name="Shape 167"/>
+        <p:cNvGrpSpPr/>
+        <p:nvPr/>
+      </p:nvGrpSpPr>
+      <p:grpSpPr>
+        <a:xfrm>
+          <a:off x="0" y="0"/>
+          <a:ext cx="0" cy="0"/>
+          <a:chOff x="0" y="0"/>
+          <a:chExt cx="0" cy="0"/>
+        </a:xfrm>
+      </p:grpSpPr>
+      <p:sp>
+        <p:nvSpPr>
+          <p:cNvPr id="168" name="Google Shape;168;p18"/>
+          <p:cNvSpPr txBox="1"/>
+          <p:nvPr>
+            <p:ph type="title"/>
+          </p:nvPr>
+        </p:nvSpPr>
+        <p:spPr>
+          <a:xfrm>
+            <a:off x="0" y="1124875"/>
+            <a:ext cx="9144000" cy="914100"/>
+          </a:xfrm>
+          <a:prstGeom prst="rect">
+            <a:avLst/>
+          </a:prstGeom>
+        </p:spPr>
+        <p:txBody>
+          <a:bodyPr anchorCtr="0" anchor="t" bIns="91425" lIns="91425" spcFirstLastPara="1" rIns="91425" wrap="square" tIns="91425">
+            <a:noAutofit/>
+          </a:bodyPr>
+          <a:lstStyle/>
+          <a:p>
+            <a:pPr indent="0" lvl="0" marL="0" rtl="0" algn="ctr">
+              <a:spcBef>
+                <a:spcPts val="0"/>
+              </a:spcBef>
+              <a:spcAft>
+                <a:spcPts val="0"/>
+              </a:spcAft>
+              <a:buNone/>
+            </a:pPr>
+            <a:r>
+              <a:rPr b="1" lang="en" sz="3600"/>
+              <a:t>Testing</a:t>
+            </a:r>
+            <a:endParaRPr b="1" sz="3600"/>
+          </a:p>
+        </p:txBody>
+      </p:sp>
+      <p:sp>
+        <p:nvSpPr>
+          <p:cNvPr id="169" name="Google Shape;169;p18"/>
+          <p:cNvSpPr txBox="1"/>
+          <p:nvPr>
+            <p:ph idx="1" type="body"/>
+          </p:nvPr>
+        </p:nvSpPr>
+        <p:spPr>
+          <a:xfrm>
+            <a:off x="653400" y="2285825"/>
+            <a:ext cx="7837200" cy="1703100"/>
+          </a:xfrm>
+          <a:prstGeom prst="rect">
+            <a:avLst/>
+          </a:prstGeom>
+        </p:spPr>
+        <p:txBody>
+          <a:bodyPr anchorCtr="0" anchor="t" bIns="91425" lIns="91425" spcFirstLastPara="1" rIns="91425" wrap="square" tIns="91425">
+            <a:noAutofit/>
+          </a:bodyPr>
+          <a:lstStyle/>
+          <a:p>
+            <a:pPr indent="-381000" lvl="0" marL="457200" rtl="0" algn="l">
+              <a:spcBef>
+                <a:spcPts val="0"/>
+              </a:spcBef>
+              <a:spcAft>
+                <a:spcPts val="0"/>
+              </a:spcAft>
+              <a:buSzPts val="2400"/>
+              <a:buChar char="●"/>
+            </a:pPr>
+            <a:r>
+              <a:rPr lang="en" sz="2400"/>
+              <a:t>Unit tests written with the Pytest framework</a:t>
+            </a:r>
+            <a:endParaRPr sz="2400"/>
+          </a:p>
+          <a:p>
+            <a:pPr indent="-381000" lvl="0" marL="457200" rtl="0" algn="l">
+              <a:spcBef>
+                <a:spcPts val="0"/>
+              </a:spcBef>
+              <a:spcAft>
+                <a:spcPts val="0"/>
+              </a:spcAft>
+              <a:buSzPts val="2400"/>
+              <a:buChar char="●"/>
+            </a:pPr>
+            <a:r>
+              <a:rPr lang="en" sz="2400"/>
+              <a:t>Tests on Travis CI for automatic testing with commits:</a:t>
+            </a:r>
+            <a:endParaRPr sz="2400"/>
+          </a:p>
+          <a:p>
+            <a:pPr indent="0" lvl="0" marL="457200" rtl="0" algn="l">
+              <a:spcBef>
+                <a:spcPts val="1600"/>
+              </a:spcBef>
+              <a:spcAft>
+                <a:spcPts val="0"/>
+              </a:spcAft>
+              <a:buNone/>
+            </a:pPr>
+            <a:r>
+              <a:rPr lang="en" sz="2400" u="sng">
+                <a:solidFill>
+                  <a:schemeClr val="hlink"/>
+                </a:solidFill>
+                <a:hlinkClick r:id="rId3"/>
+              </a:rPr>
+              <a:t>https://travis-ci.org/AkanEyoh/StevensonTourGuide</a:t>
+            </a:r>
+            <a:endParaRPr sz="2400"/>
+          </a:p>
+          <a:p>
+            <a:pPr indent="0" lvl="0" marL="0" rtl="0" algn="l">
+              <a:spcBef>
+                <a:spcPts val="1600"/>
+              </a:spcBef>
+              <a:spcAft>
+                <a:spcPts val="1600"/>
+              </a:spcAft>
+              <a:buNone/>
+            </a:pPr>
+            <a:r>
+              <a:t/>
+            </a:r>
+            <a:endParaRPr sz="1800"/>
+          </a:p>
+        </p:txBody>
+      </p:sp>
+    </p:spTree>
+  </p:cSld>
+  <p:clrMapOvr>
+    <a:masterClrMapping/>
+  </p:clrMapOvr>
+</p:sld>
+</file>
+
+<file path=ppt/slides/slide7.xml><?xml version="1.0" encoding="utf-8"?>
+<p:sld xmlns:a="http://schemas.openxmlformats.org/drawingml/2006/main" xmlns:r="http://schemas.openxmlformats.org/officeDocument/2006/relationships" xmlns:mc="http://schemas.openxmlformats.org/markup-compatibility/2006" xmlns:mv="urn:schemas-microsoft-com:mac:vml" xmlns:p="http://schemas.openxmlformats.org/presentationml/2006/main" xmlns:c="http://schemas.openxmlformats.org/drawingml/2006/chart" xmlns:dgm="http://schemas.openxmlformats.org/drawingml/2006/diagram" xmlns:o="urn:schemas-microsoft-com:office:office" xmlns:v="urn:schemas-microsoft-com:vml" xmlns:pvml="urn:schemas-microsoft-com:office:powerpoint" xmlns:com="http://schemas.openxmlformats.org/drawingml/2006/compatibility" xmlns:p14="http://schemas.microsoft.com/office/powerpoint/2010/main" xmlns:p15="http://schemas.microsoft.com/office/powerpoint/2012/main">
+  <p:cSld>
+    <p:spTree>
+      <p:nvGrpSpPr>
+        <p:cNvPr id="173" name="Shape 173"/>
+        <p:cNvGrpSpPr/>
+        <p:nvPr/>
+      </p:nvGrpSpPr>
+      <p:grpSpPr>
+        <a:xfrm>
+          <a:off x="0" y="0"/>
+          <a:ext cx="0" cy="0"/>
+          <a:chOff x="0" y="0"/>
+          <a:chExt cx="0" cy="0"/>
+        </a:xfrm>
+      </p:grpSpPr>
+      <p:sp>
+        <p:nvSpPr>
+          <p:cNvPr id="174" name="Google Shape;174;p19"/>
+          <p:cNvSpPr txBox="1"/>
+          <p:nvPr>
+            <p:ph type="title"/>
+          </p:nvPr>
+        </p:nvSpPr>
+        <p:spPr>
+          <a:xfrm>
+            <a:off x="1310325" y="854750"/>
+            <a:ext cx="7833600" cy="786300"/>
           </a:xfrm>
           <a:prstGeom prst="rect">
             <a:avLst/>
@@ -9930,47 +10561,139 @@
               <a:buNone/>
             </a:pPr>
             <a:r>
-              <a:rPr lang="en" sz="1800"/>
-              <a:t>Unit tests written with the Pytest framework</a:t>
+              <a:rPr b="1" i="1" lang="en" sz="3200"/>
+              <a:t>Next Steps &amp; Future Improvements</a:t>
             </a:r>
-            <a:endParaRPr sz="1800"/>
+            <a:endParaRPr b="1" i="1" sz="3200"/>
+          </a:p>
+        </p:txBody>
+      </p:sp>
+      <p:sp>
+        <p:nvSpPr>
+          <p:cNvPr id="175" name="Google Shape;175;p19"/>
+          <p:cNvSpPr txBox="1"/>
+          <p:nvPr>
+            <p:ph idx="1" type="body"/>
+          </p:nvPr>
+        </p:nvSpPr>
+        <p:spPr>
+          <a:xfrm>
+            <a:off x="1310325" y="1734325"/>
+            <a:ext cx="6937200" cy="3152700"/>
+          </a:xfrm>
+          <a:prstGeom prst="rect">
+            <a:avLst/>
+          </a:prstGeom>
+        </p:spPr>
+        <p:txBody>
+          <a:bodyPr anchorCtr="0" anchor="t" bIns="91425" lIns="91425" spcFirstLastPara="1" rIns="91425" wrap="square" tIns="91425">
+            <a:noAutofit/>
+          </a:bodyPr>
+          <a:lstStyle/>
+          <a:p>
+            <a:pPr indent="-381000" lvl="0" marL="457200" rtl="0" algn="l">
+              <a:spcBef>
+                <a:spcPts val="0"/>
+              </a:spcBef>
+              <a:spcAft>
+                <a:spcPts val="0"/>
+              </a:spcAft>
+              <a:buSzPts val="2400"/>
+              <a:buChar char="●"/>
+            </a:pPr>
+            <a:r>
+              <a:rPr lang="en" sz="2400"/>
+              <a:t>adding a picture for each instruction listed</a:t>
+            </a:r>
+            <a:endParaRPr sz="2400"/>
           </a:p>
           <a:p>
-            <a:pPr indent="0" lvl="0" marL="0" rtl="0" algn="l">
-              <a:spcBef>
-                <a:spcPts val="1600"/>
-              </a:spcBef>
-              <a:spcAft>
-                <a:spcPts val="0"/>
-              </a:spcAft>
-              <a:buNone/>
+            <a:pPr indent="-381000" lvl="0" marL="457200" rtl="0" algn="l">
+              <a:spcBef>
+                <a:spcPts val="0"/>
+              </a:spcBef>
+              <a:spcAft>
+                <a:spcPts val="0"/>
+              </a:spcAft>
+              <a:buSzPts val="2400"/>
+              <a:buChar char="●"/>
             </a:pPr>
             <a:r>
-              <a:rPr lang="en" sz="1800"/>
-              <a:t>Tests on Travis CI for automatic testing with commits</a:t>
+              <a:rPr lang="en" sz="2400"/>
+              <a:t>Extending app to be usable in all 7 buildings</a:t>
             </a:r>
-            <a:endParaRPr sz="1800"/>
+            <a:endParaRPr sz="2400"/>
           </a:p>
           <a:p>
-            <a:pPr indent="0" lvl="0" marL="0" rtl="0" algn="l">
-              <a:spcBef>
-                <a:spcPts val="1600"/>
-              </a:spcBef>
-              <a:spcAft>
-                <a:spcPts val="0"/>
-              </a:spcAft>
-              <a:buNone/>
+            <a:pPr indent="-381000" lvl="0" marL="457200" rtl="0" algn="l">
+              <a:spcBef>
+                <a:spcPts val="0"/>
+              </a:spcBef>
+              <a:spcAft>
+                <a:spcPts val="0"/>
+              </a:spcAft>
+              <a:buSzPts val="2400"/>
+              <a:buChar char="●"/>
             </a:pPr>
             <a:r>
-              <a:rPr lang="en" sz="1800" u="sng">
-                <a:solidFill>
-                  <a:schemeClr val="hlink"/>
-                </a:solidFill>
-                <a:hlinkClick r:id="rId3"/>
-              </a:rPr>
-              <a:t>https://travis-ci.org/AkanEyoh/StevensonTourGuide</a:t>
+              <a:rPr lang="en" sz="2400"/>
+              <a:t>running the app on a 24/7 server</a:t>
             </a:r>
-            <a:endParaRPr sz="1800"/>
+            <a:endParaRPr sz="2400"/>
+          </a:p>
+          <a:p>
+            <a:pPr indent="-381000" lvl="0" marL="457200" rtl="0" algn="l">
+              <a:spcBef>
+                <a:spcPts val="0"/>
+              </a:spcBef>
+              <a:spcAft>
+                <a:spcPts val="0"/>
+              </a:spcAft>
+              <a:buSzPts val="2400"/>
+              <a:buChar char="●"/>
+            </a:pPr>
+            <a:r>
+              <a:rPr lang="en" sz="2400"/>
+              <a:t>more specific </a:t>
+            </a:r>
+            <a:r>
+              <a:rPr lang="en" sz="2400"/>
+              <a:t>directional instructions like “turn left” and “turn right”</a:t>
+            </a:r>
+            <a:endParaRPr sz="2400"/>
+          </a:p>
+          <a:p>
+            <a:pPr indent="-381000" lvl="0" marL="457200" rtl="0" algn="l">
+              <a:spcBef>
+                <a:spcPts val="0"/>
+              </a:spcBef>
+              <a:spcAft>
+                <a:spcPts val="0"/>
+              </a:spcAft>
+              <a:buSzPts val="2400"/>
+              <a:buChar char="●"/>
+            </a:pPr>
+            <a:r>
+              <a:rPr lang="en" sz="2400"/>
+              <a:t>Implementing the “Tour Guide Mode” which would take the user through all 7 buildings</a:t>
+            </a:r>
+            <a:endParaRPr sz="2400"/>
+          </a:p>
+          <a:p>
+            <a:pPr indent="0" lvl="0" marL="457200" rtl="0" algn="l">
+              <a:spcBef>
+                <a:spcPts val="1600"/>
+              </a:spcBef>
+              <a:spcAft>
+                <a:spcPts val="0"/>
+              </a:spcAft>
+              <a:buNone/>
+            </a:pPr>
+            <a:r>
+              <a:rPr lang="en" sz="2400"/>
+              <a:t> </a:t>
+            </a:r>
+            <a:endParaRPr sz="2400"/>
           </a:p>
           <a:p>
             <a:pPr indent="0" lvl="0" marL="0" rtl="0" algn="l">
